--- a/Docs/presentation/JustificationsForBinding.pptx
+++ b/Docs/presentation/JustificationsForBinding.pptx
@@ -6,6 +6,7 @@
   </p:sldMasterIdLst>
   <p:sldIdLst>
     <p:sldId id="256" r:id="rId2"/>
+    <p:sldId id="257" r:id="rId3"/>
   </p:sldIdLst>
   <p:sldSz cx="12192000" cy="6858000"/>
   <p:notesSz cx="6858000" cy="9144000"/>
@@ -104,6 +105,11 @@
       </a:defRPr>
     </a:lvl9pPr>
   </p:defaultTextStyle>
+  <p:extLst>
+    <p:ext uri="{EFAFB233-063F-42B5-8137-9DF3F51BA10A}">
+      <p15:sldGuideLst xmlns:p15="http://schemas.microsoft.com/office/powerpoint/2012/main"/>
+    </p:ext>
+  </p:extLst>
 </p:presentation>
 </file>
 
@@ -238,7 +244,7 @@
           <a:p>
             <a:fld id="{87F19683-C7BA-4ADE-B260-40CEDC6DFCE6}" type="datetimeFigureOut">
               <a:rPr lang="en-US" smtClean="0"/>
-              <a:t>6/21/2015</a:t>
+              <a:t>6/22/2015</a:t>
             </a:fld>
             <a:endParaRPr lang="en-US"/>
           </a:p>
@@ -408,7 +414,7 @@
           <a:p>
             <a:fld id="{87F19683-C7BA-4ADE-B260-40CEDC6DFCE6}" type="datetimeFigureOut">
               <a:rPr lang="en-US" smtClean="0"/>
-              <a:t>6/21/2015</a:t>
+              <a:t>6/22/2015</a:t>
             </a:fld>
             <a:endParaRPr lang="en-US"/>
           </a:p>
@@ -588,7 +594,7 @@
           <a:p>
             <a:fld id="{87F19683-C7BA-4ADE-B260-40CEDC6DFCE6}" type="datetimeFigureOut">
               <a:rPr lang="en-US" smtClean="0"/>
-              <a:t>6/21/2015</a:t>
+              <a:t>6/22/2015</a:t>
             </a:fld>
             <a:endParaRPr lang="en-US"/>
           </a:p>
@@ -758,7 +764,7 @@
           <a:p>
             <a:fld id="{87F19683-C7BA-4ADE-B260-40CEDC6DFCE6}" type="datetimeFigureOut">
               <a:rPr lang="en-US" smtClean="0"/>
-              <a:t>6/21/2015</a:t>
+              <a:t>6/22/2015</a:t>
             </a:fld>
             <a:endParaRPr lang="en-US"/>
           </a:p>
@@ -1004,7 +1010,7 @@
           <a:p>
             <a:fld id="{87F19683-C7BA-4ADE-B260-40CEDC6DFCE6}" type="datetimeFigureOut">
               <a:rPr lang="en-US" smtClean="0"/>
-              <a:t>6/21/2015</a:t>
+              <a:t>6/22/2015</a:t>
             </a:fld>
             <a:endParaRPr lang="en-US"/>
           </a:p>
@@ -1236,7 +1242,7 @@
           <a:p>
             <a:fld id="{87F19683-C7BA-4ADE-B260-40CEDC6DFCE6}" type="datetimeFigureOut">
               <a:rPr lang="en-US" smtClean="0"/>
-              <a:t>6/21/2015</a:t>
+              <a:t>6/22/2015</a:t>
             </a:fld>
             <a:endParaRPr lang="en-US"/>
           </a:p>
@@ -1603,7 +1609,7 @@
           <a:p>
             <a:fld id="{87F19683-C7BA-4ADE-B260-40CEDC6DFCE6}" type="datetimeFigureOut">
               <a:rPr lang="en-US" smtClean="0"/>
-              <a:t>6/21/2015</a:t>
+              <a:t>6/22/2015</a:t>
             </a:fld>
             <a:endParaRPr lang="en-US"/>
           </a:p>
@@ -1721,7 +1727,7 @@
           <a:p>
             <a:fld id="{87F19683-C7BA-4ADE-B260-40CEDC6DFCE6}" type="datetimeFigureOut">
               <a:rPr lang="en-US" smtClean="0"/>
-              <a:t>6/21/2015</a:t>
+              <a:t>6/22/2015</a:t>
             </a:fld>
             <a:endParaRPr lang="en-US"/>
           </a:p>
@@ -1816,7 +1822,7 @@
           <a:p>
             <a:fld id="{87F19683-C7BA-4ADE-B260-40CEDC6DFCE6}" type="datetimeFigureOut">
               <a:rPr lang="en-US" smtClean="0"/>
-              <a:t>6/21/2015</a:t>
+              <a:t>6/22/2015</a:t>
             </a:fld>
             <a:endParaRPr lang="en-US"/>
           </a:p>
@@ -2093,7 +2099,7 @@
           <a:p>
             <a:fld id="{87F19683-C7BA-4ADE-B260-40CEDC6DFCE6}" type="datetimeFigureOut">
               <a:rPr lang="en-US" smtClean="0"/>
-              <a:t>6/21/2015</a:t>
+              <a:t>6/22/2015</a:t>
             </a:fld>
             <a:endParaRPr lang="en-US"/>
           </a:p>
@@ -2346,7 +2352,7 @@
           <a:p>
             <a:fld id="{87F19683-C7BA-4ADE-B260-40CEDC6DFCE6}" type="datetimeFigureOut">
               <a:rPr lang="en-US" smtClean="0"/>
-              <a:t>6/21/2015</a:t>
+              <a:t>6/22/2015</a:t>
             </a:fld>
             <a:endParaRPr lang="en-US"/>
           </a:p>
@@ -2559,7 +2565,7 @@
           <a:p>
             <a:fld id="{87F19683-C7BA-4ADE-B260-40CEDC6DFCE6}" type="datetimeFigureOut">
               <a:rPr lang="en-US" smtClean="0"/>
-              <a:t>6/21/2015</a:t>
+              <a:t>6/22/2015</a:t>
             </a:fld>
             <a:endParaRPr lang="en-US"/>
           </a:p>
@@ -3105,6 +3111,95 @@
 </p:sld>
 </file>
 
+<file path=ppt/slides/slide2.xml><?xml version="1.0" encoding="utf-8"?>
+<p:sld xmlns:a="http://schemas.openxmlformats.org/drawingml/2006/main" xmlns:r="http://schemas.openxmlformats.org/officeDocument/2006/relationships" xmlns:p="http://schemas.openxmlformats.org/presentationml/2006/main">
+  <p:cSld>
+    <p:spTree>
+      <p:nvGrpSpPr>
+        <p:cNvPr id="1" name=""/>
+        <p:cNvGrpSpPr/>
+        <p:nvPr/>
+      </p:nvGrpSpPr>
+      <p:grpSpPr>
+        <a:xfrm>
+          <a:off x="0" y="0"/>
+          <a:ext cx="0" cy="0"/>
+          <a:chOff x="0" y="0"/>
+          <a:chExt cx="0" cy="0"/>
+        </a:xfrm>
+      </p:grpSpPr>
+      <p:sp>
+        <p:nvSpPr>
+          <p:cNvPr id="2" name="Title 1"/>
+          <p:cNvSpPr>
+            <a:spLocks noGrp="1"/>
+          </p:cNvSpPr>
+          <p:nvPr>
+            <p:ph type="title"/>
+          </p:nvPr>
+        </p:nvSpPr>
+        <p:spPr>
+          <a:xfrm>
+            <a:off x="838200" y="365126"/>
+            <a:ext cx="10515600" cy="508332"/>
+          </a:xfrm>
+        </p:spPr>
+        <p:txBody>
+          <a:bodyPr>
+            <a:normAutofit fontScale="90000"/>
+          </a:bodyPr>
+          <a:lstStyle/>
+          <a:p>
+            <a:r>
+              <a:rPr lang="en-US" dirty="0" smtClean="0"/>
+              <a:t>Binding Decision Tree</a:t>
+            </a:r>
+            <a:endParaRPr lang="en-US" dirty="0"/>
+          </a:p>
+        </p:txBody>
+      </p:sp>
+      <p:pic>
+        <p:nvPicPr>
+          <p:cNvPr id="4" name="Content Placeholder 3"/>
+          <p:cNvPicPr>
+            <a:picLocks noGrp="1" noChangeAspect="1"/>
+          </p:cNvPicPr>
+          <p:nvPr>
+            <p:ph idx="1"/>
+          </p:nvPr>
+        </p:nvPicPr>
+        <p:blipFill>
+          <a:blip r:embed="rId2">
+            <a:extLst>
+              <a:ext uri="{28A0092B-C50C-407E-A947-70E740481C1C}">
+                <a14:useLocalDpi xmlns:a14="http://schemas.microsoft.com/office/drawing/2010/main" val="0"/>
+              </a:ext>
+            </a:extLst>
+          </a:blip>
+          <a:stretch>
+            <a:fillRect/>
+          </a:stretch>
+        </p:blipFill>
+        <p:spPr>
+          <a:xfrm>
+            <a:off x="1023582" y="1351128"/>
+            <a:ext cx="10330218" cy="5349923"/>
+          </a:xfrm>
+        </p:spPr>
+      </p:pic>
+    </p:spTree>
+    <p:extLst>
+      <p:ext uri="{BB962C8B-B14F-4D97-AF65-F5344CB8AC3E}">
+        <p14:creationId xmlns:p14="http://schemas.microsoft.com/office/powerpoint/2010/main" val="2916008494"/>
+      </p:ext>
+    </p:extLst>
+  </p:cSld>
+  <p:clrMapOvr>
+    <a:masterClrMapping/>
+  </p:clrMapOvr>
+</p:sld>
+</file>
+
 <file path=ppt/theme/theme1.xml><?xml version="1.0" encoding="utf-8"?>
 <a:theme xmlns:a="http://schemas.openxmlformats.org/drawingml/2006/main" name="Office Theme">
   <a:themeElements>

--- a/Docs/presentation/JustificationsForBinding.pptx
+++ b/Docs/presentation/JustificationsForBinding.pptx
@@ -3182,8 +3182,8 @@
         </p:blipFill>
         <p:spPr>
           <a:xfrm>
-            <a:off x="1023582" y="1351128"/>
-            <a:ext cx="10330218" cy="5349923"/>
+            <a:off x="1009934" y="1050878"/>
+            <a:ext cx="10563367" cy="5650173"/>
           </a:xfrm>
         </p:spPr>
       </p:pic>

--- a/Docs/presentation/JustificationsForBinding.pptx
+++ b/Docs/presentation/JustificationsForBinding.pptx
@@ -3018,7 +3018,7 @@
         </p:spPr>
         <p:txBody>
           <a:bodyPr>
-            <a:normAutofit/>
+            <a:normAutofit lnSpcReduction="10000"/>
           </a:bodyPr>
           <a:lstStyle/>
           <a:p>
@@ -3051,10 +3051,38 @@
               <a:buChar char="•"/>
             </a:pPr>
             <a:r>
+              <a:rPr lang="en-US" sz="1600" dirty="0" err="1"/>
+              <a:t>WsHttpBinding</a:t>
+            </a:r>
+            <a:r>
+              <a:rPr lang="en-US" sz="1600" dirty="0"/>
+              <a:t> messages are encrypted by default and achieve </a:t>
+            </a:r>
+            <a:r>
+              <a:rPr lang="en-US" sz="1600" dirty="0" smtClean="0"/>
+              <a:t>Message security.</a:t>
+            </a:r>
+            <a:r>
+              <a:rPr lang="en-US" sz="1600" dirty="0"/>
+              <a:t> </a:t>
+            </a:r>
+            <a:r>
               <a:rPr lang="en-US" sz="1600" dirty="0" smtClean="0">
                 <a:latin typeface="Corbel" panose="020B0503020204020204" pitchFamily="34" charset="0"/>
               </a:rPr>
-              <a:t>Message security is turned on by default. Transport security is also available.</a:t>
+              <a:t>. We can also include Transport </a:t>
+            </a:r>
+            <a:r>
+              <a:rPr lang="en-US" sz="1600" dirty="0" smtClean="0">
+                <a:latin typeface="Corbel" panose="020B0503020204020204" pitchFamily="34" charset="0"/>
+              </a:rPr>
+              <a:t>security </a:t>
+            </a:r>
+            <a:r>
+              <a:rPr lang="en-US" sz="1600" dirty="0" smtClean="0">
+                <a:latin typeface="Corbel" panose="020B0503020204020204" pitchFamily="34" charset="0"/>
+              </a:rPr>
+              <a:t>.</a:t>
             </a:r>
           </a:p>
           <a:p>
@@ -3066,7 +3094,19 @@
               <a:rPr lang="en-US" sz="1600" dirty="0" smtClean="0">
                 <a:latin typeface="Corbel" panose="020B0503020204020204" pitchFamily="34" charset="0"/>
               </a:rPr>
-              <a:t>It allows the service to be hosted in IIS 5.0 or IIS 6.0.</a:t>
+              <a:t>It </a:t>
+            </a:r>
+            <a:r>
+              <a:rPr lang="en-US" sz="1600" dirty="0" smtClean="0">
+                <a:latin typeface="Corbel" panose="020B0503020204020204" pitchFamily="34" charset="0"/>
+              </a:rPr>
+              <a:t>allows the service to be hosted in IIS 5.0 or IIS 6.0</a:t>
+            </a:r>
+            <a:r>
+              <a:rPr lang="en-US" sz="1600" dirty="0" smtClean="0">
+                <a:latin typeface="Corbel" panose="020B0503020204020204" pitchFamily="34" charset="0"/>
+              </a:rPr>
+              <a:t>.</a:t>
             </a:r>
           </a:p>
           <a:p>
@@ -3075,10 +3115,10 @@
               <a:buChar char="•"/>
             </a:pPr>
             <a:r>
-              <a:rPr lang="en-US" sz="1600" dirty="0" smtClean="0">
+              <a:rPr lang="en-US" sz="1600" dirty="0">
                 <a:latin typeface="Corbel" panose="020B0503020204020204" pitchFamily="34" charset="0"/>
               </a:rPr>
-              <a:t>If you choose transport security, you can use certificate, Windows, or token authentication.</a:t>
+              <a:t>If you choose message security, you can use certificate, username, Windows, or issue token authentication (Windows CardSpace).</a:t>
             </a:r>
           </a:p>
           <a:p>
@@ -3086,13 +3126,28 @@
               <a:buFont typeface="Arial" panose="020B0604020202020204" pitchFamily="34" charset="0"/>
               <a:buChar char="•"/>
             </a:pPr>
+            <a:endParaRPr lang="en-US" sz="1600" dirty="0" smtClean="0">
+              <a:latin typeface="Corbel" panose="020B0503020204020204" pitchFamily="34" charset="0"/>
+            </a:endParaRPr>
+          </a:p>
+          <a:p>
+            <a:pPr marL="285750" indent="-285750">
+              <a:buFont typeface="Arial" panose="020B0604020202020204" pitchFamily="34" charset="0"/>
+              <a:buChar char="•"/>
+            </a:pPr>
             <a:r>
               <a:rPr lang="en-US" sz="1600" dirty="0" smtClean="0">
                 <a:latin typeface="Corbel" panose="020B0503020204020204" pitchFamily="34" charset="0"/>
               </a:rPr>
-              <a:t>If you choose message security, you can use certificate, username, Windows, or issue token authentication (Windows CardSpace).</a:t>
-            </a:r>
-            <a:endParaRPr lang="en-US" sz="1600" dirty="0">
+              <a:t>If you choose transport security, you can use certificate, Windows, or token authentication</a:t>
+            </a:r>
+            <a:r>
+              <a:rPr lang="en-US" sz="1600" dirty="0" smtClean="0">
+                <a:latin typeface="Corbel" panose="020B0503020204020204" pitchFamily="34" charset="0"/>
+              </a:rPr>
+              <a:t>.</a:t>
+            </a:r>
+            <a:endParaRPr lang="en-US" sz="1600" dirty="0" smtClean="0">
               <a:latin typeface="Corbel" panose="020B0503020204020204" pitchFamily="34" charset="0"/>
             </a:endParaRPr>
           </a:p>
